--- a/diagramm.pptx
+++ b/diagramm.pptx
@@ -302,7 +302,7 @@
           <a:p>
             <a:fld id="{36E1B832-4688-4C06-8D25-7081E0E3DB83}" type="datetimeFigureOut">
               <a:rPr lang="ru-RU" smtClean="0"/>
-              <a:t>06.05.2017</a:t>
+              <a:t>07.05.2017</a:t>
             </a:fld>
             <a:endParaRPr lang="ru-RU"/>
           </a:p>
@@ -472,7 +472,7 @@
           <a:p>
             <a:fld id="{36E1B832-4688-4C06-8D25-7081E0E3DB83}" type="datetimeFigureOut">
               <a:rPr lang="ru-RU" smtClean="0"/>
-              <a:t>06.05.2017</a:t>
+              <a:t>07.05.2017</a:t>
             </a:fld>
             <a:endParaRPr lang="ru-RU"/>
           </a:p>
@@ -652,7 +652,7 @@
           <a:p>
             <a:fld id="{36E1B832-4688-4C06-8D25-7081E0E3DB83}" type="datetimeFigureOut">
               <a:rPr lang="ru-RU" smtClean="0"/>
-              <a:t>06.05.2017</a:t>
+              <a:t>07.05.2017</a:t>
             </a:fld>
             <a:endParaRPr lang="ru-RU"/>
           </a:p>
@@ -822,7 +822,7 @@
           <a:p>
             <a:fld id="{36E1B832-4688-4C06-8D25-7081E0E3DB83}" type="datetimeFigureOut">
               <a:rPr lang="ru-RU" smtClean="0"/>
-              <a:t>06.05.2017</a:t>
+              <a:t>07.05.2017</a:t>
             </a:fld>
             <a:endParaRPr lang="ru-RU"/>
           </a:p>
@@ -1068,7 +1068,7 @@
           <a:p>
             <a:fld id="{36E1B832-4688-4C06-8D25-7081E0E3DB83}" type="datetimeFigureOut">
               <a:rPr lang="ru-RU" smtClean="0"/>
-              <a:t>06.05.2017</a:t>
+              <a:t>07.05.2017</a:t>
             </a:fld>
             <a:endParaRPr lang="ru-RU"/>
           </a:p>
@@ -1356,7 +1356,7 @@
           <a:p>
             <a:fld id="{36E1B832-4688-4C06-8D25-7081E0E3DB83}" type="datetimeFigureOut">
               <a:rPr lang="ru-RU" smtClean="0"/>
-              <a:t>06.05.2017</a:t>
+              <a:t>07.05.2017</a:t>
             </a:fld>
             <a:endParaRPr lang="ru-RU"/>
           </a:p>
@@ -1778,7 +1778,7 @@
           <a:p>
             <a:fld id="{36E1B832-4688-4C06-8D25-7081E0E3DB83}" type="datetimeFigureOut">
               <a:rPr lang="ru-RU" smtClean="0"/>
-              <a:t>06.05.2017</a:t>
+              <a:t>07.05.2017</a:t>
             </a:fld>
             <a:endParaRPr lang="ru-RU"/>
           </a:p>
@@ -1896,7 +1896,7 @@
           <a:p>
             <a:fld id="{36E1B832-4688-4C06-8D25-7081E0E3DB83}" type="datetimeFigureOut">
               <a:rPr lang="ru-RU" smtClean="0"/>
-              <a:t>06.05.2017</a:t>
+              <a:t>07.05.2017</a:t>
             </a:fld>
             <a:endParaRPr lang="ru-RU"/>
           </a:p>
@@ -1991,7 +1991,7 @@
           <a:p>
             <a:fld id="{36E1B832-4688-4C06-8D25-7081E0E3DB83}" type="datetimeFigureOut">
               <a:rPr lang="ru-RU" smtClean="0"/>
-              <a:t>06.05.2017</a:t>
+              <a:t>07.05.2017</a:t>
             </a:fld>
             <a:endParaRPr lang="ru-RU"/>
           </a:p>
@@ -2268,7 +2268,7 @@
           <a:p>
             <a:fld id="{36E1B832-4688-4C06-8D25-7081E0E3DB83}" type="datetimeFigureOut">
               <a:rPr lang="ru-RU" smtClean="0"/>
-              <a:t>06.05.2017</a:t>
+              <a:t>07.05.2017</a:t>
             </a:fld>
             <a:endParaRPr lang="ru-RU"/>
           </a:p>
@@ -2521,7 +2521,7 @@
           <a:p>
             <a:fld id="{36E1B832-4688-4C06-8D25-7081E0E3DB83}" type="datetimeFigureOut">
               <a:rPr lang="ru-RU" smtClean="0"/>
-              <a:t>06.05.2017</a:t>
+              <a:t>07.05.2017</a:t>
             </a:fld>
             <a:endParaRPr lang="ru-RU"/>
           </a:p>
@@ -2734,7 +2734,7 @@
           <a:p>
             <a:fld id="{36E1B832-4688-4C06-8D25-7081E0E3DB83}" type="datetimeFigureOut">
               <a:rPr lang="ru-RU" smtClean="0"/>
-              <a:t>06.05.2017</a:t>
+              <a:t>07.05.2017</a:t>
             </a:fld>
             <a:endParaRPr lang="ru-RU"/>
           </a:p>
@@ -3522,100 +3522,6 @@
       </p:grpSp>
       <p:sp>
         <p:nvSpPr>
-          <p:cNvPr id="68" name="Блок-схема: процесс 67"/>
-          <p:cNvSpPr/>
-          <p:nvPr/>
-        </p:nvSpPr>
-        <p:spPr>
-          <a:xfrm>
-            <a:off x="323528" y="2852936"/>
-            <a:ext cx="1355606" cy="2520280"/>
-          </a:xfrm>
-          <a:prstGeom prst="flowChartProcess">
-            <a:avLst/>
-          </a:prstGeom>
-          <a:ln/>
-        </p:spPr>
-        <p:style>
-          <a:lnRef idx="2">
-            <a:schemeClr val="accent1"/>
-          </a:lnRef>
-          <a:fillRef idx="1">
-            <a:schemeClr val="lt1"/>
-          </a:fillRef>
-          <a:effectRef idx="0">
-            <a:schemeClr val="accent1"/>
-          </a:effectRef>
-          <a:fontRef idx="minor">
-            <a:schemeClr val="dk1"/>
-          </a:fontRef>
-        </p:style>
-        <p:txBody>
-          <a:bodyPr rtlCol="0" anchor="ctr"/>
-          <a:lstStyle/>
-          <a:p>
-            <a:pPr>
-              <a:spcBef>
-                <a:spcPts val="1200"/>
-              </a:spcBef>
-            </a:pPr>
-            <a:r>
-              <a:rPr lang="en-US" b="1" u="sng" dirty="0" smtClean="0"/>
-              <a:t>Game</a:t>
-            </a:r>
-          </a:p>
-          <a:p>
-            <a:pPr>
-              <a:spcBef>
-                <a:spcPts val="1200"/>
-              </a:spcBef>
-            </a:pPr>
-            <a:r>
-              <a:rPr lang="en-US" sz="1200" dirty="0" smtClean="0"/>
-              <a:t>public:</a:t>
-            </a:r>
-          </a:p>
-          <a:p>
-            <a:endParaRPr lang="en-US" sz="1200" dirty="0" smtClean="0"/>
-          </a:p>
-          <a:p>
-            <a:endParaRPr lang="en-US" sz="1200" dirty="0"/>
-          </a:p>
-          <a:p>
-            <a:endParaRPr lang="en-US" sz="1200" dirty="0" smtClean="0"/>
-          </a:p>
-          <a:p>
-            <a:endParaRPr lang="en-US" sz="1200" dirty="0"/>
-          </a:p>
-          <a:p>
-            <a:endParaRPr lang="en-US" sz="1200" dirty="0" smtClean="0"/>
-          </a:p>
-          <a:p>
-            <a:r>
-              <a:rPr lang="en-US" sz="1200" dirty="0" smtClean="0"/>
-              <a:t>private: </a:t>
-            </a:r>
-            <a:endParaRPr lang="en-US" sz="1200" dirty="0"/>
-          </a:p>
-          <a:p>
-            <a:endParaRPr lang="en-US" sz="1200" dirty="0" smtClean="0"/>
-          </a:p>
-          <a:p>
-            <a:endParaRPr lang="en-US" sz="1200" dirty="0"/>
-          </a:p>
-          <a:p>
-            <a:endParaRPr lang="en-US" sz="1200" dirty="0" smtClean="0"/>
-          </a:p>
-          <a:p>
-            <a:endParaRPr lang="en-US" sz="1200" dirty="0"/>
-          </a:p>
-          <a:p>
-            <a:endParaRPr lang="ru-RU" sz="1200" dirty="0"/>
-          </a:p>
-        </p:txBody>
-      </p:sp>
-      <p:sp>
-        <p:nvSpPr>
           <p:cNvPr id="69" name="Блок-схема: процесс 68"/>
           <p:cNvSpPr/>
           <p:nvPr/>
@@ -3738,7 +3644,7 @@
         </p:nvSpPr>
         <p:spPr>
           <a:xfrm>
-            <a:off x="2924690" y="3855565"/>
+            <a:off x="1967166" y="3864781"/>
             <a:ext cx="1152128" cy="515022"/>
           </a:xfrm>
           <a:prstGeom prst="flowChartProcess">
@@ -3785,8 +3691,8 @@
         </p:nvCxnSpPr>
         <p:spPr>
           <a:xfrm>
-            <a:off x="1679134" y="4113076"/>
-            <a:ext cx="1245556" cy="0"/>
+            <a:off x="1535118" y="4122292"/>
+            <a:ext cx="432048" cy="0"/>
           </a:xfrm>
           <a:prstGeom prst="straightConnector1">
             <a:avLst/>
@@ -3817,6 +3723,376 @@
           </a:fontRef>
         </p:style>
       </p:cxnSp>
+      <p:grpSp>
+        <p:nvGrpSpPr>
+          <p:cNvPr id="8" name="Группа 7"/>
+          <p:cNvGrpSpPr/>
+          <p:nvPr/>
+        </p:nvGrpSpPr>
+        <p:grpSpPr>
+          <a:xfrm>
+            <a:off x="179512" y="2862152"/>
+            <a:ext cx="1355606" cy="2520280"/>
+            <a:chOff x="179512" y="2862152"/>
+            <a:chExt cx="1355606" cy="2520280"/>
+          </a:xfrm>
+        </p:grpSpPr>
+        <p:sp>
+          <p:nvSpPr>
+            <p:cNvPr id="68" name="Блок-схема: процесс 67"/>
+            <p:cNvSpPr/>
+            <p:nvPr/>
+          </p:nvSpPr>
+          <p:spPr>
+            <a:xfrm>
+              <a:off x="179512" y="2862152"/>
+              <a:ext cx="1355606" cy="2520280"/>
+            </a:xfrm>
+            <a:prstGeom prst="flowChartProcess">
+              <a:avLst/>
+            </a:prstGeom>
+            <a:ln/>
+          </p:spPr>
+          <p:style>
+            <a:lnRef idx="2">
+              <a:schemeClr val="accent1"/>
+            </a:lnRef>
+            <a:fillRef idx="1">
+              <a:schemeClr val="lt1"/>
+            </a:fillRef>
+            <a:effectRef idx="0">
+              <a:schemeClr val="accent1"/>
+            </a:effectRef>
+            <a:fontRef idx="minor">
+              <a:schemeClr val="dk1"/>
+            </a:fontRef>
+          </p:style>
+          <p:txBody>
+            <a:bodyPr rtlCol="0" anchor="ctr"/>
+            <a:lstStyle/>
+            <a:p>
+              <a:pPr>
+                <a:spcBef>
+                  <a:spcPts val="1200"/>
+                </a:spcBef>
+              </a:pPr>
+              <a:r>
+                <a:rPr lang="en-US" b="1" u="sng" dirty="0" smtClean="0"/>
+                <a:t>Game</a:t>
+              </a:r>
+            </a:p>
+            <a:p>
+              <a:endParaRPr lang="ru-RU" sz="1200" dirty="0" smtClean="0"/>
+            </a:p>
+            <a:p>
+              <a:endParaRPr lang="en-US" sz="1200" dirty="0" smtClean="0"/>
+            </a:p>
+            <a:p>
+              <a:endParaRPr lang="en-US" sz="1200" dirty="0"/>
+            </a:p>
+            <a:p>
+              <a:endParaRPr lang="en-US" sz="1200" dirty="0" smtClean="0"/>
+            </a:p>
+            <a:p>
+              <a:endParaRPr lang="en-US" sz="1200" dirty="0"/>
+            </a:p>
+            <a:p>
+              <a:endParaRPr lang="en-US" sz="1200" dirty="0" smtClean="0"/>
+            </a:p>
+            <a:p>
+              <a:endParaRPr lang="en-US" sz="1200" dirty="0" smtClean="0"/>
+            </a:p>
+            <a:p>
+              <a:endParaRPr lang="en-US" sz="1200" dirty="0"/>
+            </a:p>
+            <a:p>
+              <a:endParaRPr lang="en-US" sz="1200" dirty="0" smtClean="0"/>
+            </a:p>
+            <a:p>
+              <a:endParaRPr lang="en-US" sz="1200" dirty="0"/>
+            </a:p>
+            <a:p>
+              <a:endParaRPr lang="ru-RU" sz="1200" dirty="0"/>
+            </a:p>
+          </p:txBody>
+        </p:sp>
+        <p:cxnSp>
+          <p:nvCxnSpPr>
+            <p:cNvPr id="7" name="Прямая соединительная линия 6"/>
+            <p:cNvCxnSpPr/>
+            <p:nvPr/>
+          </p:nvCxnSpPr>
+          <p:spPr>
+            <a:xfrm>
+              <a:off x="179512" y="3356992"/>
+              <a:ext cx="1355606" cy="0"/>
+            </a:xfrm>
+            <a:prstGeom prst="line">
+              <a:avLst/>
+            </a:prstGeom>
+            <a:ln w="19050"/>
+          </p:spPr>
+          <p:style>
+            <a:lnRef idx="1">
+              <a:schemeClr val="accent1"/>
+            </a:lnRef>
+            <a:fillRef idx="0">
+              <a:schemeClr val="accent1"/>
+            </a:fillRef>
+            <a:effectRef idx="0">
+              <a:schemeClr val="accent1"/>
+            </a:effectRef>
+            <a:fontRef idx="minor">
+              <a:schemeClr val="tx1"/>
+            </a:fontRef>
+          </p:style>
+        </p:cxnSp>
+      </p:grpSp>
+      <p:grpSp>
+        <p:nvGrpSpPr>
+          <p:cNvPr id="18" name="Группа 17"/>
+          <p:cNvGrpSpPr/>
+          <p:nvPr/>
+        </p:nvGrpSpPr>
+        <p:grpSpPr>
+          <a:xfrm>
+            <a:off x="3503641" y="2666983"/>
+            <a:ext cx="5028799" cy="1024395"/>
+            <a:chOff x="3503641" y="2666983"/>
+            <a:chExt cx="5028799" cy="1024395"/>
+          </a:xfrm>
+        </p:grpSpPr>
+        <p:sp>
+          <p:nvSpPr>
+            <p:cNvPr id="30" name="Блок-схема: процесс 29"/>
+            <p:cNvSpPr/>
+            <p:nvPr/>
+          </p:nvSpPr>
+          <p:spPr>
+            <a:xfrm>
+              <a:off x="6660232" y="2683266"/>
+              <a:ext cx="1872208" cy="1008112"/>
+            </a:xfrm>
+            <a:prstGeom prst="flowChartProcess">
+              <a:avLst/>
+            </a:prstGeom>
+          </p:spPr>
+          <p:style>
+            <a:lnRef idx="2">
+              <a:schemeClr val="accent1">
+                <a:shade val="50000"/>
+              </a:schemeClr>
+            </a:lnRef>
+            <a:fillRef idx="1">
+              <a:schemeClr val="accent1"/>
+            </a:fillRef>
+            <a:effectRef idx="0">
+              <a:schemeClr val="accent1"/>
+            </a:effectRef>
+            <a:fontRef idx="minor">
+              <a:schemeClr val="lt1"/>
+            </a:fontRef>
+          </p:style>
+          <p:txBody>
+            <a:bodyPr rtlCol="0" anchor="ctr"/>
+            <a:lstStyle/>
+            <a:p>
+              <a:pPr algn="ctr"/>
+              <a:r>
+                <a:rPr lang="ru-RU" dirty="0" smtClean="0"/>
+                <a:t>Вычислительное ядро</a:t>
+              </a:r>
+              <a:endParaRPr lang="ru-RU" dirty="0"/>
+            </a:p>
+          </p:txBody>
+        </p:sp>
+        <p:sp>
+          <p:nvSpPr>
+            <p:cNvPr id="31" name="Блок-схема: процесс 30"/>
+            <p:cNvSpPr/>
+            <p:nvPr/>
+          </p:nvSpPr>
+          <p:spPr>
+            <a:xfrm>
+              <a:off x="3503641" y="2683266"/>
+              <a:ext cx="1872208" cy="1008112"/>
+            </a:xfrm>
+            <a:prstGeom prst="flowChartProcess">
+              <a:avLst/>
+            </a:prstGeom>
+          </p:spPr>
+          <p:style>
+            <a:lnRef idx="2">
+              <a:schemeClr val="accent1">
+                <a:shade val="50000"/>
+              </a:schemeClr>
+            </a:lnRef>
+            <a:fillRef idx="1">
+              <a:schemeClr val="accent1"/>
+            </a:fillRef>
+            <a:effectRef idx="0">
+              <a:schemeClr val="accent1"/>
+            </a:effectRef>
+            <a:fontRef idx="minor">
+              <a:schemeClr val="lt1"/>
+            </a:fontRef>
+          </p:style>
+          <p:txBody>
+            <a:bodyPr rtlCol="0" anchor="ctr"/>
+            <a:lstStyle/>
+            <a:p>
+              <a:pPr algn="ctr"/>
+              <a:r>
+                <a:rPr lang="ru-RU" dirty="0" smtClean="0"/>
+                <a:t>Графическая оболочка</a:t>
+              </a:r>
+              <a:endParaRPr lang="ru-RU" dirty="0"/>
+            </a:p>
+          </p:txBody>
+        </p:sp>
+        <p:cxnSp>
+          <p:nvCxnSpPr>
+            <p:cNvPr id="34" name="Прямая со стрелкой 33"/>
+            <p:cNvCxnSpPr/>
+            <p:nvPr/>
+          </p:nvCxnSpPr>
+          <p:spPr>
+            <a:xfrm flipV="1">
+              <a:off x="5386726" y="2974760"/>
+              <a:ext cx="1273506" cy="1"/>
+            </a:xfrm>
+            <a:prstGeom prst="straightConnector1">
+              <a:avLst/>
+            </a:prstGeom>
+            <a:ln w="25400">
+              <a:solidFill>
+                <a:schemeClr val="tx2">
+                  <a:lumMod val="40000"/>
+                  <a:lumOff val="60000"/>
+                </a:schemeClr>
+              </a:solidFill>
+              <a:headEnd type="none" w="lg" len="lg"/>
+              <a:tailEnd type="triangle" w="lg" len="lg"/>
+            </a:ln>
+          </p:spPr>
+          <p:style>
+            <a:lnRef idx="1">
+              <a:schemeClr val="accent1"/>
+            </a:lnRef>
+            <a:fillRef idx="0">
+              <a:schemeClr val="accent1"/>
+            </a:fillRef>
+            <a:effectRef idx="0">
+              <a:schemeClr val="accent1"/>
+            </a:effectRef>
+            <a:fontRef idx="minor">
+              <a:schemeClr val="tx1"/>
+            </a:fontRef>
+          </p:style>
+        </p:cxnSp>
+        <p:sp>
+          <p:nvSpPr>
+            <p:cNvPr id="35" name="TextBox 34"/>
+            <p:cNvSpPr txBox="1"/>
+            <p:nvPr/>
+          </p:nvSpPr>
+          <p:spPr>
+            <a:xfrm>
+              <a:off x="5390012" y="2666983"/>
+              <a:ext cx="1270220" cy="307777"/>
+            </a:xfrm>
+            <a:prstGeom prst="rect">
+              <a:avLst/>
+            </a:prstGeom>
+            <a:noFill/>
+          </p:spPr>
+          <p:txBody>
+            <a:bodyPr wrap="none" rtlCol="0">
+              <a:spAutoFit/>
+            </a:bodyPr>
+            <a:lstStyle/>
+            <a:p>
+              <a:pPr algn="ctr"/>
+              <a:r>
+                <a:rPr lang="en-US" sz="1400" dirty="0" smtClean="0"/>
+                <a:t>find best move</a:t>
+              </a:r>
+              <a:endParaRPr lang="ru-RU" sz="1400" dirty="0"/>
+            </a:p>
+          </p:txBody>
+        </p:sp>
+        <p:cxnSp>
+          <p:nvCxnSpPr>
+            <p:cNvPr id="37" name="Прямая со стрелкой 36"/>
+            <p:cNvCxnSpPr/>
+            <p:nvPr/>
+          </p:nvCxnSpPr>
+          <p:spPr>
+            <a:xfrm flipH="1">
+              <a:off x="5386726" y="3356992"/>
+              <a:ext cx="1273506" cy="0"/>
+            </a:xfrm>
+            <a:prstGeom prst="straightConnector1">
+              <a:avLst/>
+            </a:prstGeom>
+            <a:ln w="25400">
+              <a:solidFill>
+                <a:schemeClr val="tx2">
+                  <a:lumMod val="40000"/>
+                  <a:lumOff val="60000"/>
+                </a:schemeClr>
+              </a:solidFill>
+              <a:headEnd type="none" w="lg" len="lg"/>
+              <a:tailEnd type="triangle" w="lg" len="lg"/>
+            </a:ln>
+          </p:spPr>
+          <p:style>
+            <a:lnRef idx="1">
+              <a:schemeClr val="accent1"/>
+            </a:lnRef>
+            <a:fillRef idx="0">
+              <a:schemeClr val="accent1"/>
+            </a:fillRef>
+            <a:effectRef idx="0">
+              <a:schemeClr val="accent1"/>
+            </a:effectRef>
+            <a:fontRef idx="minor">
+              <a:schemeClr val="tx1"/>
+            </a:fontRef>
+          </p:style>
+        </p:cxnSp>
+        <p:sp>
+          <p:nvSpPr>
+            <p:cNvPr id="40" name="TextBox 39"/>
+            <p:cNvSpPr txBox="1"/>
+            <p:nvPr/>
+          </p:nvSpPr>
+          <p:spPr>
+            <a:xfrm>
+              <a:off x="5419188" y="3040622"/>
+              <a:ext cx="1241044" cy="307777"/>
+            </a:xfrm>
+            <a:prstGeom prst="rect">
+              <a:avLst/>
+            </a:prstGeom>
+            <a:noFill/>
+          </p:spPr>
+          <p:txBody>
+            <a:bodyPr wrap="square" rtlCol="0">
+              <a:spAutoFit/>
+            </a:bodyPr>
+            <a:lstStyle/>
+            <a:p>
+              <a:pPr algn="ctr"/>
+              <a:r>
+                <a:rPr lang="en-US" sz="1400" dirty="0" smtClean="0"/>
+                <a:t>best move</a:t>
+              </a:r>
+              <a:endParaRPr lang="ru-RU" sz="1400" dirty="0"/>
+            </a:p>
+          </p:txBody>
+        </p:sp>
+      </p:grpSp>
     </p:spTree>
     <p:extLst>
       <p:ext uri="{BB962C8B-B14F-4D97-AF65-F5344CB8AC3E}">
